--- a/Presentation/interactionDesign.pptx
+++ b/Presentation/interactionDesign.pptx
@@ -18897,7 +18897,7 @@
       <p:pic>
         <p:nvPicPr>
           <p:cNvPr id="17" name="Immagine 16">
-            <a:hlinkClick r:id="rId2" action="ppaction://hlinkfile"/>
+            <a:hlinkClick r:id="rId2"/>
             <a:extLst>
               <a:ext uri="{FF2B5EF4-FFF2-40B4-BE49-F238E27FC236}">
                 <a16:creationId xmlns:a16="http://schemas.microsoft.com/office/drawing/2014/main" id="{CC544C2C-CF96-2208-9C34-A26C9AE0107E}"/>
@@ -18925,6 +18925,41 @@
           </a:prstGeom>
         </p:spPr>
       </p:pic>
+      <p:sp>
+        <p:nvSpPr>
+          <p:cNvPr id="12" name="TextBox 11">
+            <a:extLst>
+              <a:ext uri="{FF2B5EF4-FFF2-40B4-BE49-F238E27FC236}">
+                <a16:creationId xmlns:a16="http://schemas.microsoft.com/office/drawing/2014/main" id="{5D25CBFA-AC3C-1F01-5879-888D9A7AE30E}"/>
+              </a:ext>
+            </a:extLst>
+          </p:cNvPr>
+          <p:cNvSpPr txBox="1"/>
+          <p:nvPr/>
+        </p:nvSpPr>
+        <p:spPr>
+          <a:xfrm>
+            <a:off x="6312794" y="4687410"/>
+            <a:ext cx="2556769" cy="1200329"/>
+          </a:xfrm>
+          <a:prstGeom prst="rect">
+            <a:avLst/>
+          </a:prstGeom>
+          <a:noFill/>
+        </p:spPr>
+        <p:txBody>
+          <a:bodyPr wrap="square" rtlCol="0">
+            <a:spAutoFit/>
+          </a:bodyPr>
+          <a:lstStyle/>
+          <a:p>
+            <a:r>
+              <a:rPr lang="en-US" dirty="0"/>
+              <a:t>https://drive.google.com/file/d/1kvZ5TwLbmG49GCKjIdul8LBD2dTduVmI/view?usp=sharing</a:t>
+            </a:r>
+          </a:p>
+        </p:txBody>
+      </p:sp>
     </p:spTree>
     <p:extLst>
       <p:ext uri="{BB962C8B-B14F-4D97-AF65-F5344CB8AC3E}">
